--- a/document/達運條碼機操作說明.pptx
+++ b/document/達運條碼機操作說明.pptx
@@ -21,6 +21,9 @@
     <p:sldId id="257" r:id="rId15"/>
     <p:sldId id="258" r:id="rId16"/>
     <p:sldId id="299" r:id="rId17"/>
+    <p:sldId id="303" r:id="rId18"/>
+    <p:sldId id="304" r:id="rId19"/>
+    <p:sldId id="305" r:id="rId20"/>
   </p:sldIdLst>
   <p:sldSz cx="12192000" cy="6858000"/>
   <p:notesSz cx="6858000" cy="9144000"/>
@@ -258,7 +261,7 @@
           <a:p>
             <a:fld id="{0BF83F52-7D59-45B5-B017-ABEB8042948F}" type="datetimeFigureOut">
               <a:rPr lang="zh-TW" altLang="en-US" smtClean="0"/>
-              <a:t>2025/7/8</a:t>
+              <a:t>2025/7/14</a:t>
             </a:fld>
             <a:endParaRPr lang="zh-TW" altLang="en-US"/>
           </a:p>
@@ -428,7 +431,7 @@
           <a:p>
             <a:fld id="{0BF83F52-7D59-45B5-B017-ABEB8042948F}" type="datetimeFigureOut">
               <a:rPr lang="zh-TW" altLang="en-US" smtClean="0"/>
-              <a:t>2025/7/8</a:t>
+              <a:t>2025/7/14</a:t>
             </a:fld>
             <a:endParaRPr lang="zh-TW" altLang="en-US"/>
           </a:p>
@@ -608,7 +611,7 @@
           <a:p>
             <a:fld id="{0BF83F52-7D59-45B5-B017-ABEB8042948F}" type="datetimeFigureOut">
               <a:rPr lang="zh-TW" altLang="en-US" smtClean="0"/>
-              <a:t>2025/7/8</a:t>
+              <a:t>2025/7/14</a:t>
             </a:fld>
             <a:endParaRPr lang="zh-TW" altLang="en-US"/>
           </a:p>
@@ -778,7 +781,7 @@
           <a:p>
             <a:fld id="{0BF83F52-7D59-45B5-B017-ABEB8042948F}" type="datetimeFigureOut">
               <a:rPr lang="zh-TW" altLang="en-US" smtClean="0"/>
-              <a:t>2025/7/8</a:t>
+              <a:t>2025/7/14</a:t>
             </a:fld>
             <a:endParaRPr lang="zh-TW" altLang="en-US"/>
           </a:p>
@@ -1024,7 +1027,7 @@
           <a:p>
             <a:fld id="{0BF83F52-7D59-45B5-B017-ABEB8042948F}" type="datetimeFigureOut">
               <a:rPr lang="zh-TW" altLang="en-US" smtClean="0"/>
-              <a:t>2025/7/8</a:t>
+              <a:t>2025/7/14</a:t>
             </a:fld>
             <a:endParaRPr lang="zh-TW" altLang="en-US"/>
           </a:p>
@@ -1256,7 +1259,7 @@
           <a:p>
             <a:fld id="{0BF83F52-7D59-45B5-B017-ABEB8042948F}" type="datetimeFigureOut">
               <a:rPr lang="zh-TW" altLang="en-US" smtClean="0"/>
-              <a:t>2025/7/8</a:t>
+              <a:t>2025/7/14</a:t>
             </a:fld>
             <a:endParaRPr lang="zh-TW" altLang="en-US"/>
           </a:p>
@@ -1623,7 +1626,7 @@
           <a:p>
             <a:fld id="{0BF83F52-7D59-45B5-B017-ABEB8042948F}" type="datetimeFigureOut">
               <a:rPr lang="zh-TW" altLang="en-US" smtClean="0"/>
-              <a:t>2025/7/8</a:t>
+              <a:t>2025/7/14</a:t>
             </a:fld>
             <a:endParaRPr lang="zh-TW" altLang="en-US"/>
           </a:p>
@@ -1741,7 +1744,7 @@
           <a:p>
             <a:fld id="{0BF83F52-7D59-45B5-B017-ABEB8042948F}" type="datetimeFigureOut">
               <a:rPr lang="zh-TW" altLang="en-US" smtClean="0"/>
-              <a:t>2025/7/8</a:t>
+              <a:t>2025/7/14</a:t>
             </a:fld>
             <a:endParaRPr lang="zh-TW" altLang="en-US"/>
           </a:p>
@@ -1836,7 +1839,7 @@
           <a:p>
             <a:fld id="{0BF83F52-7D59-45B5-B017-ABEB8042948F}" type="datetimeFigureOut">
               <a:rPr lang="zh-TW" altLang="en-US" smtClean="0"/>
-              <a:t>2025/7/8</a:t>
+              <a:t>2025/7/14</a:t>
             </a:fld>
             <a:endParaRPr lang="zh-TW" altLang="en-US"/>
           </a:p>
@@ -2113,7 +2116,7 @@
           <a:p>
             <a:fld id="{0BF83F52-7D59-45B5-B017-ABEB8042948F}" type="datetimeFigureOut">
               <a:rPr lang="zh-TW" altLang="en-US" smtClean="0"/>
-              <a:t>2025/7/8</a:t>
+              <a:t>2025/7/14</a:t>
             </a:fld>
             <a:endParaRPr lang="zh-TW" altLang="en-US"/>
           </a:p>
@@ -2366,7 +2369,7 @@
           <a:p>
             <a:fld id="{0BF83F52-7D59-45B5-B017-ABEB8042948F}" type="datetimeFigureOut">
               <a:rPr lang="zh-TW" altLang="en-US" smtClean="0"/>
-              <a:t>2025/7/8</a:t>
+              <a:t>2025/7/14</a:t>
             </a:fld>
             <a:endParaRPr lang="zh-TW" altLang="en-US"/>
           </a:p>
@@ -2579,7 +2582,7 @@
           <a:p>
             <a:fld id="{0BF83F52-7D59-45B5-B017-ABEB8042948F}" type="datetimeFigureOut">
               <a:rPr lang="zh-TW" altLang="en-US" smtClean="0"/>
-              <a:t>2025/7/8</a:t>
+              <a:t>2025/7/14</a:t>
             </a:fld>
             <a:endParaRPr lang="zh-TW" altLang="en-US"/>
           </a:p>
@@ -3551,15 +3554,7 @@
             </a:r>
             <a:r>
               <a:rPr lang="zh-TW" altLang="en-US" dirty="0" smtClean="0"/>
-              <a:t>未完</a:t>
-            </a:r>
-            <a:r>
-              <a:rPr lang="zh-TW" altLang="en-US" dirty="0" smtClean="0"/>
-              <a:t>成工單</a:t>
-            </a:r>
-            <a:r>
-              <a:rPr lang="zh-TW" altLang="en-US" dirty="0" smtClean="0"/>
-              <a:t>輸入</a:t>
+              <a:t>未完成工單輸入</a:t>
             </a:r>
             <a:r>
               <a:rPr lang="en-US" altLang="zh-TW" dirty="0" smtClean="0"/>
@@ -3698,7 +3693,7 @@
             <a:avLst/>
           </a:prstGeom>
           <a:noFill/>
-          <a:ln>
+          <a:ln w="57150">
             <a:solidFill>
               <a:srgbClr val="FF0000"/>
             </a:solidFill>
@@ -3779,7 +3774,7 @@
             <a:avLst/>
           </a:prstGeom>
           <a:noFill/>
-          <a:ln>
+          <a:ln w="57150">
             <a:solidFill>
               <a:srgbClr val="FF0000"/>
             </a:solidFill>
@@ -3825,7 +3820,7 @@
             <a:avLst/>
           </a:prstGeom>
           <a:noFill/>
-          <a:ln>
+          <a:ln w="76200">
             <a:solidFill>
               <a:srgbClr val="FF0000"/>
             </a:solidFill>
@@ -4042,7 +4037,7 @@
             <a:avLst/>
           </a:prstGeom>
           <a:noFill/>
-          <a:ln>
+          <a:ln w="57150">
             <a:solidFill>
               <a:srgbClr val="FF0000"/>
             </a:solidFill>
@@ -4088,7 +4083,7 @@
             <a:avLst/>
           </a:prstGeom>
           <a:noFill/>
-          <a:ln>
+          <a:ln w="57150">
             <a:solidFill>
               <a:srgbClr val="FF0000"/>
             </a:solidFill>
@@ -4127,8 +4122,8 @@
         </p:nvCxnSpPr>
         <p:spPr>
           <a:xfrm>
-            <a:off x="1335024" y="1133856"/>
-            <a:ext cx="777240" cy="3264408"/>
+            <a:off x="1335024" y="758952"/>
+            <a:ext cx="1542841" cy="3630168"/>
           </a:xfrm>
           <a:prstGeom prst="straightConnector1">
             <a:avLst/>
@@ -4170,7 +4165,7 @@
             <a:avLst/>
           </a:prstGeom>
           <a:noFill/>
-          <a:ln>
+          <a:ln w="57150">
             <a:solidFill>
               <a:srgbClr val="FF0000"/>
             </a:solidFill>
@@ -4424,7 +4419,15 @@
             <a:pPr lvl="1"/>
             <a:r>
               <a:rPr lang="zh-TW" altLang="en-US" dirty="0" smtClean="0"/>
-              <a:t>當次出貨的多組棧板可以組成</a:t>
+              <a:t>產生棧板用的條碼後 </a:t>
+            </a:r>
+            <a:r>
+              <a:rPr lang="en-US" altLang="zh-TW" dirty="0" smtClean="0"/>
+              <a:t>, </a:t>
+            </a:r>
+            <a:r>
+              <a:rPr lang="zh-TW" altLang="en-US" dirty="0" smtClean="0"/>
+              <a:t>可對當次出貨的多組棧板組成</a:t>
             </a:r>
             <a:r>
               <a:rPr lang="en-US" altLang="zh-TW" dirty="0" smtClean="0"/>
@@ -4448,7 +4451,23 @@
             </a:r>
             <a:r>
               <a:rPr lang="zh-TW" altLang="en-US" dirty="0" smtClean="0"/>
-              <a:t>檔案 以及 可供貼在棧板上的圖檔下載</a:t>
+              <a:t>檔案  以及  可貼在棧板上的圖檔</a:t>
+            </a:r>
+            <a:r>
+              <a:rPr lang="en-US" altLang="zh-TW" dirty="0" smtClean="0"/>
+              <a:t>(.</a:t>
+            </a:r>
+            <a:r>
+              <a:rPr lang="en-US" altLang="zh-TW" dirty="0" err="1" smtClean="0"/>
+              <a:t>png</a:t>
+            </a:r>
+            <a:r>
+              <a:rPr lang="en-US" altLang="zh-TW" dirty="0" smtClean="0"/>
+              <a:t>)</a:t>
+            </a:r>
+            <a:r>
+              <a:rPr lang="zh-TW" altLang="en-US" dirty="0" smtClean="0"/>
+              <a:t>下載</a:t>
             </a:r>
             <a:endParaRPr lang="zh-TW" altLang="en-US" dirty="0"/>
           </a:p>
@@ -4565,7 +4584,7 @@
             <a:avLst/>
           </a:prstGeom>
           <a:noFill/>
-          <a:ln>
+          <a:ln w="57150">
             <a:solidFill>
               <a:srgbClr val="FF0000"/>
             </a:solidFill>
@@ -4611,7 +4630,7 @@
             <a:avLst/>
           </a:prstGeom>
           <a:noFill/>
-          <a:ln>
+          <a:ln w="57150">
             <a:solidFill>
               <a:srgbClr val="FF0000"/>
             </a:solidFill>
@@ -4657,7 +4676,7 @@
             <a:avLst/>
           </a:prstGeom>
           <a:noFill/>
-          <a:ln>
+          <a:ln w="57150">
             <a:solidFill>
               <a:srgbClr val="FF0000"/>
             </a:solidFill>
@@ -4760,6 +4779,39 @@
           </a:fontRef>
         </p:style>
       </p:cxnSp>
+      <p:sp>
+        <p:nvSpPr>
+          <p:cNvPr id="2" name="文字方塊 1"/>
+          <p:cNvSpPr txBox="1"/>
+          <p:nvPr/>
+        </p:nvSpPr>
+        <p:spPr>
+          <a:xfrm>
+            <a:off x="4315968" y="585264"/>
+            <a:ext cx="2723823" cy="369332"/>
+          </a:xfrm>
+          <a:prstGeom prst="rect">
+            <a:avLst/>
+          </a:prstGeom>
+          <a:noFill/>
+        </p:spPr>
+        <p:txBody>
+          <a:bodyPr wrap="none" rtlCol="0">
+            <a:spAutoFit/>
+          </a:bodyPr>
+          <a:lstStyle/>
+          <a:p>
+            <a:r>
+              <a:rPr lang="zh-TW" altLang="en-US" dirty="0">
+                <a:solidFill>
+                  <a:srgbClr val="FF0000"/>
+                </a:solidFill>
+              </a:rPr>
+              <a:t>依照想要出貨的條件搜尋</a:t>
+            </a:r>
+          </a:p>
+        </p:txBody>
+      </p:sp>
     </p:spTree>
     <p:extLst>
       <p:ext uri="{BB962C8B-B14F-4D97-AF65-F5344CB8AC3E}">
@@ -4868,7 +4920,7 @@
             <a:avLst/>
           </a:prstGeom>
           <a:noFill/>
-          <a:ln>
+          <a:ln w="57150">
             <a:solidFill>
               <a:srgbClr val="FF0000"/>
             </a:solidFill>
@@ -5164,6 +5216,468 @@
     <p:extLst>
       <p:ext uri="{BB962C8B-B14F-4D97-AF65-F5344CB8AC3E}">
         <p14:creationId xmlns:p14="http://schemas.microsoft.com/office/powerpoint/2010/main" val="2807670348"/>
+      </p:ext>
+    </p:extLst>
+  </p:cSld>
+  <p:clrMapOvr>
+    <a:masterClrMapping/>
+  </p:clrMapOvr>
+</p:sld>
+</file>
+
+<file path=ppt/slides/slide17.xml><?xml version="1.0" encoding="utf-8"?>
+<p:sld xmlns:a="http://schemas.openxmlformats.org/drawingml/2006/main" xmlns:r="http://schemas.openxmlformats.org/officeDocument/2006/relationships" xmlns:p="http://schemas.openxmlformats.org/presentationml/2006/main">
+  <p:cSld>
+    <p:spTree>
+      <p:nvGrpSpPr>
+        <p:cNvPr id="1" name=""/>
+        <p:cNvGrpSpPr/>
+        <p:nvPr/>
+      </p:nvGrpSpPr>
+      <p:grpSpPr>
+        <a:xfrm>
+          <a:off x="0" y="0"/>
+          <a:ext cx="0" cy="0"/>
+          <a:chOff x="0" y="0"/>
+          <a:chExt cx="0" cy="0"/>
+        </a:xfrm>
+      </p:grpSpPr>
+      <p:sp>
+        <p:nvSpPr>
+          <p:cNvPr id="2" name="標題 1"/>
+          <p:cNvSpPr>
+            <a:spLocks noGrp="1"/>
+          </p:cNvSpPr>
+          <p:nvPr>
+            <p:ph type="title"/>
+          </p:nvPr>
+        </p:nvSpPr>
+        <p:spPr/>
+        <p:txBody>
+          <a:bodyPr/>
+          <a:lstStyle/>
+          <a:p>
+            <a:r>
+              <a:rPr lang="zh-TW" altLang="en-US" dirty="0"/>
+              <a:t>查詢 </a:t>
+            </a:r>
+            <a:r>
+              <a:rPr lang="en-US" altLang="zh-TW" dirty="0"/>
+              <a:t>&amp;</a:t>
+            </a:r>
+            <a:r>
+              <a:rPr lang="zh-TW" altLang="en-US" dirty="0"/>
+              <a:t> </a:t>
+            </a:r>
+            <a:r>
+              <a:rPr lang="zh-TW" altLang="en-US" dirty="0" smtClean="0"/>
+              <a:t>出貨 </a:t>
+            </a:r>
+            <a:r>
+              <a:rPr lang="en-US" altLang="zh-TW" dirty="0" smtClean="0"/>
+              <a:t>(ship)</a:t>
+            </a:r>
+            <a:endParaRPr lang="zh-TW" altLang="en-US" dirty="0"/>
+          </a:p>
+        </p:txBody>
+      </p:sp>
+      <p:pic>
+        <p:nvPicPr>
+          <p:cNvPr id="4" name="圖片 3"/>
+          <p:cNvPicPr>
+            <a:picLocks noChangeAspect="1"/>
+          </p:cNvPicPr>
+          <p:nvPr/>
+        </p:nvPicPr>
+        <p:blipFill>
+          <a:blip r:embed="rId2"/>
+          <a:stretch>
+            <a:fillRect/>
+          </a:stretch>
+        </p:blipFill>
+        <p:spPr>
+          <a:xfrm>
+            <a:off x="320342" y="1480029"/>
+            <a:ext cx="5543362" cy="5313008"/>
+          </a:xfrm>
+          <a:prstGeom prst="rect">
+            <a:avLst/>
+          </a:prstGeom>
+        </p:spPr>
+      </p:pic>
+      <p:sp>
+        <p:nvSpPr>
+          <p:cNvPr id="5" name="矩形 4"/>
+          <p:cNvSpPr/>
+          <p:nvPr/>
+        </p:nvSpPr>
+        <p:spPr>
+          <a:xfrm>
+            <a:off x="1874520" y="2084832"/>
+            <a:ext cx="2112264" cy="804672"/>
+          </a:xfrm>
+          <a:prstGeom prst="rect">
+            <a:avLst/>
+          </a:prstGeom>
+          <a:noFill/>
+          <a:ln w="57150">
+            <a:solidFill>
+              <a:srgbClr val="FF0000"/>
+            </a:solidFill>
+          </a:ln>
+        </p:spPr>
+        <p:style>
+          <a:lnRef idx="2">
+            <a:schemeClr val="accent1">
+              <a:shade val="50000"/>
+            </a:schemeClr>
+          </a:lnRef>
+          <a:fillRef idx="1">
+            <a:schemeClr val="accent1"/>
+          </a:fillRef>
+          <a:effectRef idx="0">
+            <a:schemeClr val="accent1"/>
+          </a:effectRef>
+          <a:fontRef idx="minor">
+            <a:schemeClr val="lt1"/>
+          </a:fontRef>
+        </p:style>
+        <p:txBody>
+          <a:bodyPr rtlCol="0" anchor="ctr"/>
+          <a:lstStyle/>
+          <a:p>
+            <a:pPr algn="ctr"/>
+            <a:endParaRPr lang="zh-TW" altLang="en-US"/>
+          </a:p>
+        </p:txBody>
+      </p:sp>
+      <p:pic>
+        <p:nvPicPr>
+          <p:cNvPr id="6" name="圖片 5"/>
+          <p:cNvPicPr>
+            <a:picLocks noChangeAspect="1"/>
+          </p:cNvPicPr>
+          <p:nvPr/>
+        </p:nvPicPr>
+        <p:blipFill>
+          <a:blip r:embed="rId3"/>
+          <a:stretch>
+            <a:fillRect/>
+          </a:stretch>
+        </p:blipFill>
+        <p:spPr>
+          <a:xfrm>
+            <a:off x="4625935" y="1480029"/>
+            <a:ext cx="7566065" cy="5313008"/>
+          </a:xfrm>
+          <a:prstGeom prst="rect">
+            <a:avLst/>
+          </a:prstGeom>
+        </p:spPr>
+      </p:pic>
+      <p:cxnSp>
+        <p:nvCxnSpPr>
+          <p:cNvPr id="8" name="直線單箭頭接點 7"/>
+          <p:cNvCxnSpPr/>
+          <p:nvPr/>
+        </p:nvCxnSpPr>
+        <p:spPr>
+          <a:xfrm>
+            <a:off x="3986784" y="2706624"/>
+            <a:ext cx="2743200" cy="484632"/>
+          </a:xfrm>
+          <a:prstGeom prst="straightConnector1">
+            <a:avLst/>
+          </a:prstGeom>
+          <a:ln w="57150">
+            <a:solidFill>
+              <a:srgbClr val="FF0000"/>
+            </a:solidFill>
+            <a:tailEnd type="triangle"/>
+          </a:ln>
+        </p:spPr>
+        <p:style>
+          <a:lnRef idx="1">
+            <a:schemeClr val="accent1"/>
+          </a:lnRef>
+          <a:fillRef idx="0">
+            <a:schemeClr val="accent1"/>
+          </a:fillRef>
+          <a:effectRef idx="0">
+            <a:schemeClr val="accent1"/>
+          </a:effectRef>
+          <a:fontRef idx="minor">
+            <a:schemeClr val="tx1"/>
+          </a:fontRef>
+        </p:style>
+      </p:cxnSp>
+      <p:sp>
+        <p:nvSpPr>
+          <p:cNvPr id="9" name="矩形 8"/>
+          <p:cNvSpPr/>
+          <p:nvPr/>
+        </p:nvSpPr>
+        <p:spPr>
+          <a:xfrm>
+            <a:off x="6931152" y="2276856"/>
+            <a:ext cx="5260848" cy="3227832"/>
+          </a:xfrm>
+          <a:prstGeom prst="rect">
+            <a:avLst/>
+          </a:prstGeom>
+          <a:noFill/>
+          <a:ln w="57150">
+            <a:solidFill>
+              <a:srgbClr val="FF0000"/>
+            </a:solidFill>
+          </a:ln>
+        </p:spPr>
+        <p:style>
+          <a:lnRef idx="2">
+            <a:schemeClr val="accent1">
+              <a:shade val="50000"/>
+            </a:schemeClr>
+          </a:lnRef>
+          <a:fillRef idx="1">
+            <a:schemeClr val="accent1"/>
+          </a:fillRef>
+          <a:effectRef idx="0">
+            <a:schemeClr val="accent1"/>
+          </a:effectRef>
+          <a:fontRef idx="minor">
+            <a:schemeClr val="lt1"/>
+          </a:fontRef>
+        </p:style>
+        <p:txBody>
+          <a:bodyPr rtlCol="0" anchor="ctr"/>
+          <a:lstStyle/>
+          <a:p>
+            <a:pPr algn="ctr"/>
+            <a:endParaRPr lang="zh-TW" altLang="en-US"/>
+          </a:p>
+        </p:txBody>
+      </p:sp>
+    </p:spTree>
+    <p:extLst>
+      <p:ext uri="{BB962C8B-B14F-4D97-AF65-F5344CB8AC3E}">
+        <p14:creationId xmlns:p14="http://schemas.microsoft.com/office/powerpoint/2010/main" val="1725994633"/>
+      </p:ext>
+    </p:extLst>
+  </p:cSld>
+  <p:clrMapOvr>
+    <a:masterClrMapping/>
+  </p:clrMapOvr>
+</p:sld>
+</file>
+
+<file path=ppt/slides/slide18.xml><?xml version="1.0" encoding="utf-8"?>
+<p:sld xmlns:a="http://schemas.openxmlformats.org/drawingml/2006/main" xmlns:r="http://schemas.openxmlformats.org/officeDocument/2006/relationships" xmlns:p="http://schemas.openxmlformats.org/presentationml/2006/main">
+  <p:cSld>
+    <p:spTree>
+      <p:nvGrpSpPr>
+        <p:cNvPr id="1" name=""/>
+        <p:cNvGrpSpPr/>
+        <p:nvPr/>
+      </p:nvGrpSpPr>
+      <p:grpSpPr>
+        <a:xfrm>
+          <a:off x="0" y="0"/>
+          <a:ext cx="0" cy="0"/>
+          <a:chOff x="0" y="0"/>
+          <a:chExt cx="0" cy="0"/>
+        </a:xfrm>
+      </p:grpSpPr>
+      <p:sp>
+        <p:nvSpPr>
+          <p:cNvPr id="2" name="標題 1"/>
+          <p:cNvSpPr>
+            <a:spLocks noGrp="1"/>
+          </p:cNvSpPr>
+          <p:nvPr>
+            <p:ph type="title"/>
+          </p:nvPr>
+        </p:nvSpPr>
+        <p:spPr/>
+        <p:txBody>
+          <a:bodyPr/>
+          <a:lstStyle/>
+          <a:p>
+            <a:r>
+              <a:rPr lang="zh-TW" altLang="en-US" dirty="0"/>
+              <a:t>查詢 </a:t>
+            </a:r>
+            <a:r>
+              <a:rPr lang="en-US" altLang="zh-TW" dirty="0"/>
+              <a:t>&amp;</a:t>
+            </a:r>
+            <a:r>
+              <a:rPr lang="zh-TW" altLang="en-US" dirty="0"/>
+              <a:t> </a:t>
+            </a:r>
+            <a:r>
+              <a:rPr lang="zh-TW" altLang="en-US" dirty="0" smtClean="0"/>
+              <a:t>出貨 </a:t>
+            </a:r>
+            <a:r>
+              <a:rPr lang="en-US" altLang="zh-TW" dirty="0" smtClean="0"/>
+              <a:t>(ship)</a:t>
+            </a:r>
+            <a:endParaRPr lang="zh-TW" altLang="en-US" dirty="0"/>
+          </a:p>
+        </p:txBody>
+      </p:sp>
+      <p:pic>
+        <p:nvPicPr>
+          <p:cNvPr id="4" name="圖片 3"/>
+          <p:cNvPicPr>
+            <a:picLocks noChangeAspect="1"/>
+          </p:cNvPicPr>
+          <p:nvPr/>
+        </p:nvPicPr>
+        <p:blipFill>
+          <a:blip r:embed="rId2"/>
+          <a:stretch>
+            <a:fillRect/>
+          </a:stretch>
+        </p:blipFill>
+        <p:spPr>
+          <a:xfrm>
+            <a:off x="299579" y="1690688"/>
+            <a:ext cx="5086237" cy="2200582"/>
+          </a:xfrm>
+          <a:prstGeom prst="rect">
+            <a:avLst/>
+          </a:prstGeom>
+        </p:spPr>
+      </p:pic>
+      <p:pic>
+        <p:nvPicPr>
+          <p:cNvPr id="5" name="圖片 4"/>
+          <p:cNvPicPr>
+            <a:picLocks noChangeAspect="1"/>
+          </p:cNvPicPr>
+          <p:nvPr/>
+        </p:nvPicPr>
+        <p:blipFill>
+          <a:blip r:embed="rId3"/>
+          <a:stretch>
+            <a:fillRect/>
+          </a:stretch>
+        </p:blipFill>
+        <p:spPr>
+          <a:xfrm>
+            <a:off x="6000729" y="2062603"/>
+            <a:ext cx="5901711" cy="485584"/>
+          </a:xfrm>
+          <a:prstGeom prst="rect">
+            <a:avLst/>
+          </a:prstGeom>
+        </p:spPr>
+      </p:pic>
+      <p:pic>
+        <p:nvPicPr>
+          <p:cNvPr id="6" name="圖片 5"/>
+          <p:cNvPicPr>
+            <a:picLocks noChangeAspect="1"/>
+          </p:cNvPicPr>
+          <p:nvPr/>
+        </p:nvPicPr>
+        <p:blipFill>
+          <a:blip r:embed="rId4"/>
+          <a:stretch>
+            <a:fillRect/>
+          </a:stretch>
+        </p:blipFill>
+        <p:spPr>
+          <a:xfrm>
+            <a:off x="6434327" y="3592668"/>
+            <a:ext cx="5468113" cy="2324424"/>
+          </a:xfrm>
+          <a:prstGeom prst="rect">
+            <a:avLst/>
+          </a:prstGeom>
+        </p:spPr>
+      </p:pic>
+    </p:spTree>
+    <p:extLst>
+      <p:ext uri="{BB962C8B-B14F-4D97-AF65-F5344CB8AC3E}">
+        <p14:creationId xmlns:p14="http://schemas.microsoft.com/office/powerpoint/2010/main" val="3409624582"/>
+      </p:ext>
+    </p:extLst>
+  </p:cSld>
+  <p:clrMapOvr>
+    <a:masterClrMapping/>
+  </p:clrMapOvr>
+</p:sld>
+</file>
+
+<file path=ppt/slides/slide19.xml><?xml version="1.0" encoding="utf-8"?>
+<p:sld xmlns:a="http://schemas.openxmlformats.org/drawingml/2006/main" xmlns:r="http://schemas.openxmlformats.org/officeDocument/2006/relationships" xmlns:p="http://schemas.openxmlformats.org/presentationml/2006/main">
+  <p:cSld>
+    <p:spTree>
+      <p:nvGrpSpPr>
+        <p:cNvPr id="1" name=""/>
+        <p:cNvGrpSpPr/>
+        <p:nvPr/>
+      </p:nvGrpSpPr>
+      <p:grpSpPr>
+        <a:xfrm>
+          <a:off x="0" y="0"/>
+          <a:ext cx="0" cy="0"/>
+          <a:chOff x="0" y="0"/>
+          <a:chExt cx="0" cy="0"/>
+        </a:xfrm>
+      </p:grpSpPr>
+      <p:sp>
+        <p:nvSpPr>
+          <p:cNvPr id="2" name="標題 1"/>
+          <p:cNvSpPr>
+            <a:spLocks noGrp="1"/>
+          </p:cNvSpPr>
+          <p:nvPr>
+            <p:ph type="title"/>
+          </p:nvPr>
+        </p:nvSpPr>
+        <p:spPr/>
+        <p:txBody>
+          <a:bodyPr/>
+          <a:lstStyle/>
+          <a:p>
+            <a:r>
+              <a:rPr lang="zh-TW" altLang="en-US" dirty="0" smtClean="0"/>
+              <a:t>出貨管理頁面</a:t>
+            </a:r>
+            <a:endParaRPr lang="zh-TW" altLang="en-US" dirty="0"/>
+          </a:p>
+        </p:txBody>
+      </p:sp>
+      <p:sp>
+        <p:nvSpPr>
+          <p:cNvPr id="3" name="內容版面配置區 2"/>
+          <p:cNvSpPr>
+            <a:spLocks noGrp="1"/>
+          </p:cNvSpPr>
+          <p:nvPr>
+            <p:ph idx="1"/>
+          </p:nvPr>
+        </p:nvSpPr>
+        <p:spPr/>
+        <p:txBody>
+          <a:bodyPr/>
+          <a:lstStyle/>
+          <a:p>
+            <a:r>
+              <a:rPr lang="zh-TW" altLang="en-US" dirty="0" smtClean="0"/>
+              <a:t>可在此查看</a:t>
+            </a:r>
+            <a:endParaRPr lang="zh-TW" altLang="en-US" dirty="0"/>
+          </a:p>
+        </p:txBody>
+      </p:sp>
+    </p:spTree>
+    <p:extLst>
+      <p:ext uri="{BB962C8B-B14F-4D97-AF65-F5344CB8AC3E}">
+        <p14:creationId xmlns:p14="http://schemas.microsoft.com/office/powerpoint/2010/main" val="2730284073"/>
       </p:ext>
     </p:extLst>
   </p:cSld>
@@ -5305,18 +5819,40 @@
               <a:rPr lang="zh-TW" altLang="en-US" dirty="0" smtClean="0"/>
               <a:t>可開放不同的管理權限 </a:t>
             </a:r>
+            <a:endParaRPr lang="en-US" altLang="zh-TW" dirty="0" smtClean="0"/>
+          </a:p>
+          <a:p>
+            <a:pPr lvl="1"/>
             <a:r>
               <a:rPr lang="en-US" altLang="zh-TW" dirty="0" smtClean="0"/>
-              <a:t>(admin</a:t>
+              <a:t>User</a:t>
+            </a:r>
+          </a:p>
+          <a:p>
+            <a:pPr lvl="1"/>
+            <a:r>
+              <a:rPr lang="en-US" altLang="zh-TW" dirty="0" smtClean="0"/>
+              <a:t>Operator</a:t>
+            </a:r>
+          </a:p>
+          <a:p>
+            <a:pPr lvl="1"/>
+            <a:r>
+              <a:rPr lang="en-US" altLang="zh-TW" dirty="0" smtClean="0"/>
+              <a:t>Supervisor</a:t>
+            </a:r>
+          </a:p>
+          <a:p>
+            <a:pPr lvl="1"/>
+            <a:r>
+              <a:rPr lang="en-US" altLang="zh-TW" dirty="0" smtClean="0"/>
+              <a:t>admin</a:t>
             </a:r>
             <a:r>
               <a:rPr lang="zh-TW" altLang="en-US" dirty="0" smtClean="0"/>
               <a:t>擁有全部權限</a:t>
             </a:r>
-            <a:r>
-              <a:rPr lang="en-US" altLang="zh-TW" dirty="0" smtClean="0"/>
-              <a:t>)</a:t>
-            </a:r>
+            <a:endParaRPr lang="en-US" altLang="zh-TW" dirty="0" smtClean="0"/>
           </a:p>
           <a:p>
             <a:r>
@@ -5472,7 +6008,7 @@
             <a:avLst/>
           </a:prstGeom>
           <a:noFill/>
-          <a:ln>
+          <a:ln w="57150">
             <a:solidFill>
               <a:srgbClr val="FF0000"/>
             </a:solidFill>
@@ -5542,7 +6078,7 @@
             <a:avLst/>
           </a:prstGeom>
           <a:noFill/>
-          <a:ln>
+          <a:ln w="57150">
             <a:solidFill>
               <a:srgbClr val="FF0000"/>
             </a:solidFill>
@@ -5845,7 +6381,7 @@
             <a:avLst/>
           </a:prstGeom>
           <a:noFill/>
-          <a:ln>
+          <a:ln w="57150">
             <a:solidFill>
               <a:srgbClr val="FF0000"/>
             </a:solidFill>
@@ -5891,7 +6427,7 @@
             <a:avLst/>
           </a:prstGeom>
           <a:noFill/>
-          <a:ln>
+          <a:ln w="57150">
             <a:solidFill>
               <a:srgbClr val="FF0000"/>
             </a:solidFill>
@@ -5937,7 +6473,7 @@
             <a:avLst/>
           </a:prstGeom>
           <a:noFill/>
-          <a:ln>
+          <a:ln w="57150">
             <a:solidFill>
               <a:srgbClr val="FF0000"/>
             </a:solidFill>
@@ -6170,7 +6706,55 @@
           <a:p>
             <a:r>
               <a:rPr lang="zh-TW" altLang="en-US" dirty="0" smtClean="0"/>
-              <a:t>建立好料號後 </a:t>
+              <a:t>點擊左側 </a:t>
+            </a:r>
+            <a:r>
+              <a:rPr lang="en-US" altLang="zh-TW" dirty="0" smtClean="0"/>
+              <a:t>“</a:t>
+            </a:r>
+            <a:r>
+              <a:rPr lang="zh-TW" altLang="en-US" dirty="0" smtClean="0"/>
+              <a:t>新增工單</a:t>
+            </a:r>
+            <a:r>
+              <a:rPr lang="en-US" altLang="zh-TW" dirty="0" smtClean="0"/>
+              <a:t>”</a:t>
+            </a:r>
+            <a:r>
+              <a:rPr lang="zh-TW" altLang="en-US" dirty="0" smtClean="0"/>
+              <a:t>選單</a:t>
+            </a:r>
+            <a:endParaRPr lang="en-US" altLang="zh-TW" dirty="0" smtClean="0"/>
+          </a:p>
+          <a:p>
+            <a:pPr lvl="1"/>
+            <a:r>
+              <a:rPr lang="en-US" altLang="zh-TW" dirty="0" smtClean="0"/>
+              <a:t>SN</a:t>
+            </a:r>
+            <a:r>
+              <a:rPr lang="zh-TW" altLang="en-US" dirty="0" smtClean="0"/>
+              <a:t>序號 </a:t>
+            </a:r>
+            <a:r>
+              <a:rPr lang="en-US" altLang="zh-TW" dirty="0" smtClean="0"/>
+              <a:t>,</a:t>
+            </a:r>
+            <a:r>
+              <a:rPr lang="zh-TW" altLang="en-US" dirty="0" smtClean="0"/>
+              <a:t> </a:t>
+            </a:r>
+            <a:r>
+              <a:rPr lang="en-US" altLang="zh-TW" dirty="0" err="1" smtClean="0"/>
+              <a:t>QR_RFTray</a:t>
+            </a:r>
+            <a:r>
+              <a:rPr lang="en-US" altLang="zh-TW" dirty="0" smtClean="0"/>
+              <a:t> , QR_PS , QR_HS</a:t>
+            </a:r>
+            <a:r>
+              <a:rPr lang="zh-TW" altLang="en-US" dirty="0" smtClean="0"/>
+              <a:t>欄位可用條碼機掃描 </a:t>
             </a:r>
             <a:r>
               <a:rPr lang="en-US" altLang="zh-TW" dirty="0" smtClean="0"/>
@@ -6178,78 +6762,7 @@
             </a:r>
             <a:r>
               <a:rPr lang="zh-TW" altLang="en-US" dirty="0" smtClean="0"/>
-              <a:t>可開始進行</a:t>
-            </a:r>
-            <a:r>
-              <a:rPr lang="zh-TW" altLang="en-US" dirty="0"/>
-              <a:t>建立新工</a:t>
-            </a:r>
-            <a:r>
-              <a:rPr lang="zh-TW" altLang="en-US" dirty="0" smtClean="0"/>
-              <a:t>單</a:t>
-            </a:r>
-            <a:endParaRPr lang="en-US" altLang="zh-TW" dirty="0" smtClean="0"/>
-          </a:p>
-          <a:p>
-            <a:r>
-              <a:rPr lang="zh-TW" altLang="en-US" dirty="0" smtClean="0"/>
-              <a:t>點擊左側 </a:t>
-            </a:r>
-            <a:r>
-              <a:rPr lang="en-US" altLang="zh-TW" dirty="0" smtClean="0"/>
-              <a:t>“</a:t>
-            </a:r>
-            <a:r>
-              <a:rPr lang="zh-TW" altLang="en-US" dirty="0" smtClean="0"/>
-              <a:t>新增工單</a:t>
-            </a:r>
-            <a:r>
-              <a:rPr lang="en-US" altLang="zh-TW" dirty="0" smtClean="0"/>
-              <a:t>”</a:t>
-            </a:r>
-            <a:r>
-              <a:rPr lang="zh-TW" altLang="en-US" dirty="0" smtClean="0"/>
-              <a:t>選單</a:t>
-            </a:r>
-            <a:endParaRPr lang="en-US" altLang="zh-TW" dirty="0" smtClean="0"/>
-          </a:p>
-          <a:p>
-            <a:pPr lvl="1"/>
-            <a:r>
-              <a:rPr lang="en-US" altLang="zh-TW" dirty="0" smtClean="0"/>
-              <a:t>SN</a:t>
-            </a:r>
-            <a:r>
-              <a:rPr lang="zh-TW" altLang="en-US" dirty="0" smtClean="0"/>
-              <a:t>序號 </a:t>
-            </a:r>
-            <a:r>
-              <a:rPr lang="en-US" altLang="zh-TW" dirty="0" smtClean="0"/>
-              <a:t>,</a:t>
-            </a:r>
-            <a:r>
-              <a:rPr lang="zh-TW" altLang="en-US" dirty="0" smtClean="0"/>
-              <a:t> </a:t>
-            </a:r>
-            <a:r>
-              <a:rPr lang="en-US" altLang="zh-TW" dirty="0" err="1" smtClean="0"/>
-              <a:t>QR_RFTray</a:t>
-            </a:r>
-            <a:r>
-              <a:rPr lang="en-US" altLang="zh-TW" dirty="0" smtClean="0"/>
-              <a:t> , QR_PS , QR_HS</a:t>
-            </a:r>
-            <a:r>
-              <a:rPr lang="zh-TW" altLang="en-US" dirty="0" smtClean="0"/>
-              <a:t>欄位可用條碼機掃描 </a:t>
-            </a:r>
-            <a:r>
-              <a:rPr lang="en-US" altLang="zh-TW" dirty="0" smtClean="0"/>
-              <a:t>, </a:t>
-            </a:r>
-            <a:r>
-              <a:rPr lang="zh-TW" altLang="en-US" dirty="0" smtClean="0"/>
-              <a:t>也可以手動於輸入框輸入</a:t>
+              <a:t>也可手動輸入框輸入</a:t>
             </a:r>
             <a:endParaRPr lang="en-US" altLang="zh-TW" dirty="0" smtClean="0"/>
           </a:p>
@@ -6384,11 +6897,7 @@
             </a:r>
             <a:r>
               <a:rPr lang="zh-TW" altLang="en-US" dirty="0" smtClean="0"/>
-              <a:t>任意</a:t>
-            </a:r>
-            <a:r>
-              <a:rPr lang="zh-TW" altLang="en-US" dirty="0" smtClean="0"/>
-              <a:t>欄位</a:t>
+              <a:t>任意欄位</a:t>
             </a:r>
             <a:r>
               <a:rPr lang="en-US" altLang="zh-TW" dirty="0" smtClean="0"/>
@@ -6545,7 +7054,7 @@
             <a:avLst/>
           </a:prstGeom>
           <a:noFill/>
-          <a:ln>
+          <a:ln w="57150">
             <a:solidFill>
               <a:srgbClr val="FF0000"/>
             </a:solidFill>
@@ -6720,7 +7229,7 @@
             <a:avLst/>
           </a:prstGeom>
           <a:noFill/>
-          <a:ln>
+          <a:ln w="57150">
             <a:solidFill>
               <a:srgbClr val="FF0000"/>
             </a:solidFill>
@@ -6813,7 +7322,7 @@
             <a:avLst/>
           </a:prstGeom>
           <a:noFill/>
-          <a:ln>
+          <a:ln w="57150">
             <a:solidFill>
               <a:srgbClr val="FFFF00"/>
             </a:solidFill>
@@ -6853,7 +7362,7 @@
         <p:spPr>
           <a:xfrm>
             <a:off x="8732520" y="4592396"/>
-            <a:ext cx="2262158" cy="369332"/>
+            <a:ext cx="3060453" cy="369332"/>
           </a:xfrm>
           <a:prstGeom prst="rect">
             <a:avLst/>
@@ -6872,7 +7381,7 @@
                   <a:srgbClr val="FFFF00"/>
                 </a:solidFill>
               </a:rPr>
-              <a:t>編輯已輸入過的欄位</a:t>
+              <a:t>編輯已輸入過 或 空白的欄位</a:t>
             </a:r>
             <a:endParaRPr lang="zh-TW" altLang="en-US" dirty="0">
               <a:solidFill>
@@ -6897,7 +7406,7 @@
             <a:avLst/>
           </a:prstGeom>
           <a:noFill/>
-          <a:ln>
+          <a:ln w="57150">
             <a:solidFill>
               <a:srgbClr val="FFFF00"/>
             </a:solidFill>
@@ -6942,7 +7451,7 @@
           <a:prstGeom prst="straightConnector1">
             <a:avLst/>
           </a:prstGeom>
-          <a:ln>
+          <a:ln w="57150">
             <a:solidFill>
               <a:srgbClr val="FFFF00"/>
             </a:solidFill>
